--- a/SEM_PPT.pptx
+++ b/SEM_PPT.pptx
@@ -216,7 +216,7 @@
           <a:p>
             <a:fld id="{65F644E8-843A-47E7-90C4-3736185811A9}" type="datetimeFigureOut">
               <a:rPr lang="en-IN" smtClean="0"/>
-              <a:t>19-05-2025</a:t>
+              <a:t>04-06-2025</a:t>
             </a:fld>
             <a:endParaRPr lang="en-IN"/>
           </a:p>
@@ -710,7 +710,7 @@
           <a:p>
             <a:fld id="{04F05852-2F84-49EC-88AD-3B02F6D7B016}" type="datetime5">
               <a:rPr lang="en-US" smtClean="0"/>
-              <a:t>19-May-25</a:t>
+              <a:t>4-Jun-25</a:t>
             </a:fld>
             <a:endParaRPr lang="en-IN"/>
           </a:p>
@@ -921,7 +921,7 @@
           <a:p>
             <a:fld id="{78A367C9-BD22-43D1-A5E7-BAE29681C0FC}" type="datetime5">
               <a:rPr lang="en-US" smtClean="0"/>
-              <a:t>19-May-25</a:t>
+              <a:t>4-Jun-25</a:t>
             </a:fld>
             <a:endParaRPr lang="en-IN"/>
           </a:p>
@@ -1180,7 +1180,7 @@
           <a:p>
             <a:fld id="{625545D5-DA7C-4AA1-872D-DAC5E7C7168B}" type="datetime5">
               <a:rPr lang="en-US" smtClean="0"/>
-              <a:t>19-May-25</a:t>
+              <a:t>4-Jun-25</a:t>
             </a:fld>
             <a:endParaRPr lang="en-IN"/>
           </a:p>
@@ -1393,7 +1393,7 @@
           <a:p>
             <a:fld id="{04F05852-2F84-49EC-88AD-3B02F6D7B016}" type="datetime5">
               <a:rPr lang="en-US" smtClean="0"/>
-              <a:t>19-May-25</a:t>
+              <a:t>4-Jun-25</a:t>
             </a:fld>
             <a:endParaRPr lang="en-IN"/>
           </a:p>
@@ -1596,7 +1596,7 @@
           <a:p>
             <a:fld id="{63F24D60-CAE6-46AD-9D0B-C02F7B1293EF}" type="datetime5">
               <a:rPr lang="en-US" smtClean="0"/>
-              <a:t>19-May-25</a:t>
+              <a:t>4-Jun-25</a:t>
             </a:fld>
             <a:endParaRPr lang="en-IN"/>
           </a:p>
@@ -1875,7 +1875,7 @@
           <a:p>
             <a:fld id="{EFD16E8C-EB8A-425C-9BA2-E4B539351587}" type="datetime5">
               <a:rPr lang="en-US" smtClean="0"/>
-              <a:t>19-May-25</a:t>
+              <a:t>4-Jun-25</a:t>
             </a:fld>
             <a:endParaRPr lang="en-IN"/>
           </a:p>
@@ -2146,7 +2146,7 @@
           <a:p>
             <a:fld id="{DC0D1A98-9E99-4DBE-BE49-5C29F2DAD81F}" type="datetime5">
               <a:rPr lang="en-US" smtClean="0"/>
-              <a:t>19-May-25</a:t>
+              <a:t>4-Jun-25</a:t>
             </a:fld>
             <a:endParaRPr lang="en-IN"/>
           </a:p>
@@ -2564,7 +2564,7 @@
           <a:p>
             <a:fld id="{D55E2BA5-1E09-47F1-9112-70406D5B8D86}" type="datetime5">
               <a:rPr lang="en-US" smtClean="0"/>
-              <a:t>19-May-25</a:t>
+              <a:t>4-Jun-25</a:t>
             </a:fld>
             <a:endParaRPr lang="en-IN"/>
           </a:p>
@@ -2709,7 +2709,7 @@
           <a:p>
             <a:fld id="{2F32384F-C4AE-4D39-8526-1E50E83AE1C8}" type="datetime5">
               <a:rPr lang="en-US" smtClean="0"/>
-              <a:t>19-May-25</a:t>
+              <a:t>4-Jun-25</a:t>
             </a:fld>
             <a:endParaRPr lang="en-IN"/>
           </a:p>
@@ -2825,7 +2825,7 @@
           <a:p>
             <a:fld id="{8EFEB1EC-7644-46B1-B043-E77E363DD1BF}" type="datetime5">
               <a:rPr lang="en-US" smtClean="0"/>
-              <a:t>19-May-25</a:t>
+              <a:t>4-Jun-25</a:t>
             </a:fld>
             <a:endParaRPr lang="en-IN"/>
           </a:p>
@@ -3141,7 +3141,7 @@
           <a:p>
             <a:fld id="{3ED24307-004F-4D63-97B7-8D6DE685304F}" type="datetime5">
               <a:rPr lang="en-US" smtClean="0"/>
-              <a:t>19-May-25</a:t>
+              <a:t>4-Jun-25</a:t>
             </a:fld>
             <a:endParaRPr lang="en-IN"/>
           </a:p>
@@ -3330,7 +3330,7 @@
           <a:p>
             <a:fld id="{63F24D60-CAE6-46AD-9D0B-C02F7B1293EF}" type="datetime5">
               <a:rPr lang="en-US" smtClean="0"/>
-              <a:t>19-May-25</a:t>
+              <a:t>4-Jun-25</a:t>
             </a:fld>
             <a:endParaRPr lang="en-IN"/>
           </a:p>
@@ -3610,7 +3610,7 @@
           <a:p>
             <a:fld id="{83E9C8EC-8C69-4057-B3C8-663916D34427}" type="datetime5">
               <a:rPr lang="en-US" smtClean="0"/>
-              <a:t>19-May-25</a:t>
+              <a:t>4-Jun-25</a:t>
             </a:fld>
             <a:endParaRPr lang="en-IN"/>
           </a:p>
@@ -3813,7 +3813,7 @@
           <a:p>
             <a:fld id="{78A367C9-BD22-43D1-A5E7-BAE29681C0FC}" type="datetime5">
               <a:rPr lang="en-US" smtClean="0"/>
-              <a:t>19-May-25</a:t>
+              <a:t>4-Jun-25</a:t>
             </a:fld>
             <a:endParaRPr lang="en-IN"/>
           </a:p>
@@ -4026,7 +4026,7 @@
           <a:p>
             <a:fld id="{625545D5-DA7C-4AA1-872D-DAC5E7C7168B}" type="datetime5">
               <a:rPr lang="en-US" smtClean="0"/>
-              <a:t>19-May-25</a:t>
+              <a:t>4-Jun-25</a:t>
             </a:fld>
             <a:endParaRPr lang="en-IN"/>
           </a:p>
@@ -4384,7 +4384,7 @@
           <a:p>
             <a:fld id="{EFD16E8C-EB8A-425C-9BA2-E4B539351587}" type="datetime5">
               <a:rPr lang="en-US" smtClean="0"/>
-              <a:t>19-May-25</a:t>
+              <a:t>4-Jun-25</a:t>
             </a:fld>
             <a:endParaRPr lang="en-IN"/>
           </a:p>
@@ -4662,7 +4662,7 @@
           <a:p>
             <a:fld id="{DC0D1A98-9E99-4DBE-BE49-5C29F2DAD81F}" type="datetime5">
               <a:rPr lang="en-US" smtClean="0"/>
-              <a:t>19-May-25</a:t>
+              <a:t>4-Jun-25</a:t>
             </a:fld>
             <a:endParaRPr lang="en-IN"/>
           </a:p>
@@ -5044,7 +5044,7 @@
           <a:p>
             <a:fld id="{D55E2BA5-1E09-47F1-9112-70406D5B8D86}" type="datetime5">
               <a:rPr lang="en-US" smtClean="0"/>
-              <a:t>19-May-25</a:t>
+              <a:t>4-Jun-25</a:t>
             </a:fld>
             <a:endParaRPr lang="en-IN"/>
           </a:p>
@@ -5165,7 +5165,7 @@
           <a:p>
             <a:fld id="{2F32384F-C4AE-4D39-8526-1E50E83AE1C8}" type="datetime5">
               <a:rPr lang="en-US" smtClean="0"/>
-              <a:t>19-May-25</a:t>
+              <a:t>4-Jun-25</a:t>
             </a:fld>
             <a:endParaRPr lang="en-IN"/>
           </a:p>
@@ -5339,7 +5339,7 @@
           <a:p>
             <a:fld id="{8EFEB1EC-7644-46B1-B043-E77E363DD1BF}" type="datetime5">
               <a:rPr lang="en-US" smtClean="0"/>
-              <a:t>19-May-25</a:t>
+              <a:t>4-Jun-25</a:t>
             </a:fld>
             <a:endParaRPr lang="en-IN"/>
           </a:p>
@@ -5696,7 +5696,7 @@
           <a:p>
             <a:fld id="{3ED24307-004F-4D63-97B7-8D6DE685304F}" type="datetime5">
               <a:rPr lang="en-US" smtClean="0"/>
-              <a:t>19-May-25</a:t>
+              <a:t>4-Jun-25</a:t>
             </a:fld>
             <a:endParaRPr lang="en-IN"/>
           </a:p>
@@ -6081,7 +6081,7 @@
           <a:p>
             <a:fld id="{83E9C8EC-8C69-4057-B3C8-663916D34427}" type="datetime5">
               <a:rPr lang="en-US" smtClean="0"/>
-              <a:t>19-May-25</a:t>
+              <a:t>4-Jun-25</a:t>
             </a:fld>
             <a:endParaRPr lang="en-IN"/>
           </a:p>
@@ -6371,7 +6371,7 @@
           <a:p>
             <a:fld id="{16DE53D0-558D-438E-A207-A5C9205FC948}" type="datetime5">
               <a:rPr lang="en-US" smtClean="0"/>
-              <a:t>19-May-25</a:t>
+              <a:t>4-Jun-25</a:t>
             </a:fld>
             <a:endParaRPr lang="en-IN"/>
           </a:p>
@@ -7052,7 +7052,7 @@
           <a:p>
             <a:fld id="{16DE53D0-558D-438E-A207-A5C9205FC948}" type="datetime5">
               <a:rPr lang="en-US" smtClean="0"/>
-              <a:t>19-May-25</a:t>
+              <a:t>4-Jun-25</a:t>
             </a:fld>
             <a:endParaRPr lang="en-IN"/>
           </a:p>
@@ -12397,14 +12397,14 @@
           <p:nvPr>
             <p:extLst>
               <p:ext uri="{D42A27DB-BD31-4B8C-83A1-F6EECF244321}">
-                <p14:modId xmlns:p14="http://schemas.microsoft.com/office/powerpoint/2010/main" val="2729929191"/>
+                <p14:modId xmlns:p14="http://schemas.microsoft.com/office/powerpoint/2010/main" val="1842287628"/>
               </p:ext>
             </p:extLst>
           </p:nvPr>
         </p:nvGraphicFramePr>
         <p:xfrm>
-          <a:off x="885865" y="2020173"/>
-          <a:ext cx="10668826" cy="3715951"/>
+          <a:off x="792067" y="1737360"/>
+          <a:ext cx="10668826" cy="4256807"/>
         </p:xfrm>
         <a:graphic>
           <a:graphicData uri="http://schemas.openxmlformats.org/drawingml/2006/table">
@@ -12542,7 +12542,11 @@
                     <a:lstStyle/>
                     <a:p>
                       <a:pPr algn="just"/>
-                      <a:endParaRPr lang="en-US" sz="2300" dirty="0">
+                      <a:r>
+                        <a:rPr lang="en-US" sz="2400" b="0" dirty="0"/>
+                        <a:t>AI-driven mock interview assessment leveraging generative language models for automated evaluation</a:t>
+                      </a:r>
+                      <a:endParaRPr lang="en-US" sz="2300" b="0" dirty="0">
                         <a:latin typeface="Arial Narrow" panose="020B0606020202030204" pitchFamily="34" charset="0"/>
                       </a:endParaRPr>
                     </a:p>
@@ -12555,6 +12559,10 @@
                     <a:lstStyle/>
                     <a:p>
                       <a:pPr algn="ctr"/>
+                      <a:r>
+                        <a:rPr lang="en-IN" sz="2400" dirty="0"/>
+                        <a:t>2025</a:t>
+                      </a:r>
                       <a:endParaRPr lang="en-IN" sz="2300" dirty="0">
                         <a:latin typeface="Arial Narrow" panose="020B0606020202030204" pitchFamily="34" charset="0"/>
                       </a:endParaRPr>
@@ -12568,7 +12576,19 @@
                     <a:lstStyle/>
                     <a:p>
                       <a:pPr algn="just"/>
-                      <a:endParaRPr lang="en-US" sz="2300" dirty="0">
+                      <a:r>
+                        <a:rPr lang="en-US" sz="2400" b="0" i="0" kern="1200" dirty="0">
+                          <a:solidFill>
+                            <a:schemeClr val="dk1"/>
+                          </a:solidFill>
+                          <a:effectLst/>
+                          <a:latin typeface="+mn-lt"/>
+                          <a:ea typeface="+mn-ea"/>
+                          <a:cs typeface="+mn-cs"/>
+                        </a:rPr>
+                        <a:t>This study presents a valuable contribution to AI-driven educational</a:t>
+                      </a:r>
+                      <a:endParaRPr lang="en-US" sz="2400" b="0" dirty="0">
                         <a:latin typeface="Arial Narrow" panose="020B0606020202030204" pitchFamily="34" charset="0"/>
                       </a:endParaRPr>
                     </a:p>
@@ -12604,6 +12624,10 @@
                     <a:lstStyle/>
                     <a:p>
                       <a:pPr algn="just"/>
+                      <a:r>
+                        <a:rPr lang="en-IN" sz="2400" dirty="0"/>
+                        <a:t>AI-Driven Technical Interview Simulator</a:t>
+                      </a:r>
                       <a:endParaRPr lang="en-US" sz="2300" dirty="0">
                         <a:latin typeface="Arial Narrow" panose="020B0606020202030204" pitchFamily="34" charset="0"/>
                       </a:endParaRPr>
@@ -12617,6 +12641,10 @@
                     <a:lstStyle/>
                     <a:p>
                       <a:pPr algn="ctr"/>
+                      <a:r>
+                        <a:rPr lang="en-IN" sz="2400" dirty="0"/>
+                        <a:t>2014</a:t>
+                      </a:r>
                       <a:endParaRPr lang="en-IN" sz="2300" dirty="0">
                         <a:latin typeface="Arial Narrow" panose="020B0606020202030204" pitchFamily="34" charset="0"/>
                       </a:endParaRPr>
@@ -12630,7 +12658,11 @@
                     <a:lstStyle/>
                     <a:p>
                       <a:pPr algn="just"/>
-                      <a:endParaRPr lang="en-US" sz="2300" dirty="0">
+                      <a:r>
+                        <a:rPr lang="en-US" sz="2400" dirty="0"/>
+                        <a:t>It provides real-time feedback and helps candidates improve confidence </a:t>
+                      </a:r>
+                      <a:endParaRPr lang="en-US" sz="2400" dirty="0">
                         <a:latin typeface="Arial Narrow" panose="020B0606020202030204" pitchFamily="34" charset="0"/>
                       </a:endParaRPr>
                     </a:p>
@@ -12666,6 +12698,10 @@
                     <a:lstStyle/>
                     <a:p>
                       <a:pPr algn="just"/>
+                      <a:r>
+                        <a:rPr lang="en-US" sz="2400" dirty="0"/>
+                        <a:t>AI-enhanced interview simulation in the metaverse</a:t>
+                      </a:r>
                       <a:endParaRPr lang="en-US" sz="2300" dirty="0">
                         <a:latin typeface="Arial Narrow" panose="020B0606020202030204" pitchFamily="34" charset="0"/>
                       </a:endParaRPr>
@@ -12679,6 +12715,10 @@
                     <a:lstStyle/>
                     <a:p>
                       <a:pPr algn="ctr"/>
+                      <a:r>
+                        <a:rPr lang="en-IN" sz="2400" dirty="0"/>
+                        <a:t>2025</a:t>
+                      </a:r>
                       <a:endParaRPr lang="en-IN" sz="2300" dirty="0">
                         <a:latin typeface="Arial Narrow" panose="020B0606020202030204" pitchFamily="34" charset="0"/>
                       </a:endParaRPr>
@@ -12692,6 +12732,10 @@
                     <a:lstStyle/>
                     <a:p>
                       <a:pPr algn="just"/>
+                      <a:r>
+                        <a:rPr lang="en-US" sz="2400" dirty="0"/>
+                        <a:t>This open-source metaverse platform combines LLMs and VR to simulate interviews.</a:t>
+                      </a:r>
                       <a:endParaRPr lang="en-US" sz="2300" dirty="0">
                         <a:latin typeface="Arial Narrow" panose="020B0606020202030204" pitchFamily="34" charset="0"/>
                       </a:endParaRPr>
@@ -12860,14 +12904,14 @@
           <p:nvPr>
             <p:extLst>
               <p:ext uri="{D42A27DB-BD31-4B8C-83A1-F6EECF244321}">
-                <p14:modId xmlns:p14="http://schemas.microsoft.com/office/powerpoint/2010/main" val="3707388263"/>
+                <p14:modId xmlns:p14="http://schemas.microsoft.com/office/powerpoint/2010/main" val="291127714"/>
               </p:ext>
             </p:extLst>
           </p:nvPr>
         </p:nvGraphicFramePr>
         <p:xfrm>
-          <a:off x="1096962" y="1846262"/>
-          <a:ext cx="10488900" cy="4305156"/>
+          <a:off x="851550" y="1414580"/>
+          <a:ext cx="10488900" cy="4792208"/>
         </p:xfrm>
         <a:graphic>
           <a:graphicData uri="http://schemas.openxmlformats.org/drawingml/2006/table">
@@ -12905,7 +12949,7 @@
                   </a:extLst>
                 </a:gridCol>
               </a:tblGrid>
-              <a:tr h="491693">
+              <a:tr h="427772">
                 <a:tc>
                   <a:txBody>
                     <a:bodyPr/>
@@ -12982,7 +13026,7 @@
                   </a:ext>
                 </a:extLst>
               </a:tr>
-              <a:tr h="1260706">
+              <a:tr h="1409680">
                 <a:tc>
                   <a:txBody>
                     <a:bodyPr/>
@@ -13010,6 +13054,10 @@
                     <a:lstStyle/>
                     <a:p>
                       <a:pPr marL="0" algn="just" defTabSz="914400" rtl="0" eaLnBrk="1" latinLnBrk="0" hangingPunct="1"/>
+                      <a:r>
+                        <a:rPr lang="en-US" sz="2400" dirty="0"/>
+                        <a:t>AI Interviewer Chatbot for Technical and HR Brilliance</a:t>
+                      </a:r>
                       <a:endParaRPr lang="en-IN" sz="2300" b="0" kern="1200" dirty="0">
                         <a:solidFill>
                           <a:schemeClr val="dk1"/>
@@ -13028,6 +13076,10 @@
                     <a:lstStyle/>
                     <a:p>
                       <a:pPr marL="0" algn="ctr" defTabSz="914400" rtl="0" eaLnBrk="1" latinLnBrk="0" hangingPunct="1"/>
+                      <a:r>
+                        <a:rPr lang="en-IN" sz="2400" dirty="0"/>
+                        <a:t>2019</a:t>
+                      </a:r>
                       <a:endParaRPr lang="en-IN" sz="2300" b="0" kern="1200" dirty="0">
                         <a:solidFill>
                           <a:schemeClr val="dk1"/>
@@ -13046,6 +13098,10 @@
                     <a:lstStyle/>
                     <a:p>
                       <a:pPr marL="0" algn="just" defTabSz="914400" rtl="0" eaLnBrk="1" latinLnBrk="0" hangingPunct="1"/>
+                      <a:r>
+                        <a:rPr lang="en-US" sz="2400" dirty="0"/>
+                        <a:t>The chatbot conducts mock interviews and provides real-time feedback for improvement.</a:t>
+                      </a:r>
                       <a:endParaRPr lang="en-US" sz="2300" b="0" kern="1200" dirty="0">
                         <a:solidFill>
                           <a:schemeClr val="dk1"/>
@@ -13064,7 +13120,7 @@
                   </a:ext>
                 </a:extLst>
               </a:tr>
-              <a:tr h="1260706">
+              <a:tr h="1409680">
                 <a:tc>
                   <a:txBody>
                     <a:bodyPr/>
@@ -13092,6 +13148,10 @@
                     <a:lstStyle/>
                     <a:p>
                       <a:pPr marL="0" algn="just" defTabSz="914400" rtl="0" eaLnBrk="1" latinLnBrk="0" hangingPunct="1"/>
+                      <a:r>
+                        <a:rPr lang="en-US" sz="2400" dirty="0"/>
+                        <a:t>AI Based Interview Simulation for Smart Hiring</a:t>
+                      </a:r>
                       <a:endParaRPr lang="en-IN" sz="2300" b="0" kern="1200" dirty="0">
                         <a:solidFill>
                           <a:schemeClr val="dk1"/>
@@ -13110,6 +13170,10 @@
                     <a:lstStyle/>
                     <a:p>
                       <a:pPr marL="0" algn="ctr" defTabSz="914400" rtl="0" eaLnBrk="1" latinLnBrk="0" hangingPunct="1"/>
+                      <a:r>
+                        <a:rPr lang="en-IN" sz="2400" dirty="0"/>
+                        <a:t>2024</a:t>
+                      </a:r>
                       <a:endParaRPr lang="en-IN" sz="2300" b="0" kern="1200" dirty="0">
                         <a:solidFill>
                           <a:schemeClr val="dk1"/>
@@ -13128,6 +13192,13 @@
                     <a:lstStyle/>
                     <a:p>
                       <a:pPr marL="0" algn="just" defTabSz="914400" rtl="0" eaLnBrk="1" latinLnBrk="0" hangingPunct="1"/>
+                      <a:r>
+                        <a:rPr lang="en-US" sz="2400" dirty="0"/>
+                        <a:t>An NLP and ML-based system that evaluates candidates objectively during interviews.</a:t>
+                      </a:r>
+                      <a:br>
+                        <a:rPr lang="en-US" sz="2400" dirty="0"/>
+                      </a:br>
                       <a:endParaRPr lang="en-US" sz="2300" b="0" kern="1200" dirty="0">
                         <a:solidFill>
                           <a:schemeClr val="dk1"/>
@@ -13146,7 +13217,7 @@
                   </a:ext>
                 </a:extLst>
               </a:tr>
-              <a:tr h="1292051">
+              <a:tr h="1409680">
                 <a:tc>
                   <a:txBody>
                     <a:bodyPr/>
@@ -13174,6 +13245,10 @@
                     <a:lstStyle/>
                     <a:p>
                       <a:pPr marL="0" algn="just" defTabSz="914400" rtl="0" eaLnBrk="1" latinLnBrk="0" hangingPunct="1"/>
+                      <a:r>
+                        <a:rPr lang="en-US" sz="2400" dirty="0"/>
+                        <a:t>AI Interview Simulator and Course Generator</a:t>
+                      </a:r>
                       <a:endParaRPr lang="en-US" sz="2300" b="0" kern="1200" dirty="0">
                         <a:solidFill>
                           <a:schemeClr val="dk1"/>
@@ -13192,6 +13267,10 @@
                     <a:lstStyle/>
                     <a:p>
                       <a:pPr marL="0" algn="ctr" defTabSz="914400" rtl="0" eaLnBrk="1" latinLnBrk="0" hangingPunct="1"/>
+                      <a:r>
+                        <a:rPr lang="en-IN" sz="2400" dirty="0"/>
+                        <a:t>2025</a:t>
+                      </a:r>
                       <a:endParaRPr lang="en-IN" sz="2300" b="0" kern="1200" dirty="0">
                         <a:solidFill>
                           <a:schemeClr val="dk1"/>
@@ -13210,6 +13289,13 @@
                     <a:lstStyle/>
                     <a:p>
                       <a:pPr marL="0" algn="just" defTabSz="914400" rtl="0" eaLnBrk="1" latinLnBrk="0" hangingPunct="1"/>
+                      <a:r>
+                        <a:rPr lang="en-US" sz="2400" dirty="0"/>
+                        <a:t>Uses AI, CV, and deep learning for both interview simulation and educational feedback.</a:t>
+                      </a:r>
+                      <a:br>
+                        <a:rPr lang="en-US" sz="2400" dirty="0"/>
+                      </a:br>
                       <a:endParaRPr lang="en-US" sz="2300" b="0" kern="1200" dirty="0">
                         <a:solidFill>
                           <a:schemeClr val="dk1"/>
@@ -13487,14 +13573,14 @@
           <p:nvPr>
             <p:extLst>
               <p:ext uri="{D42A27DB-BD31-4B8C-83A1-F6EECF244321}">
-                <p14:modId xmlns:p14="http://schemas.microsoft.com/office/powerpoint/2010/main" val="2638578174"/>
+                <p14:modId xmlns:p14="http://schemas.microsoft.com/office/powerpoint/2010/main" val="1667289880"/>
               </p:ext>
             </p:extLst>
           </p:nvPr>
         </p:nvGraphicFramePr>
         <p:xfrm>
-          <a:off x="860048" y="1923364"/>
-          <a:ext cx="10249912" cy="1626837"/>
+          <a:off x="871405" y="1590544"/>
+          <a:ext cx="10249912" cy="4446472"/>
         </p:xfrm>
         <a:graphic>
           <a:graphicData uri="http://schemas.openxmlformats.org/drawingml/2006/table">
@@ -13532,7 +13618,7 @@
                   </a:extLst>
                 </a:gridCol>
               </a:tblGrid>
-              <a:tr h="384525">
+              <a:tr h="344766">
                 <a:tc>
                   <a:txBody>
                     <a:bodyPr/>
@@ -13609,7 +13695,7 @@
                   </a:ext>
                 </a:extLst>
               </a:tr>
-              <a:tr h="384525">
+              <a:tr h="1324621">
                 <a:tc>
                   <a:txBody>
                     <a:bodyPr/>
@@ -13637,6 +13723,10 @@
                     <a:lstStyle/>
                     <a:p>
                       <a:pPr marL="0" algn="just" defTabSz="914400" rtl="0" eaLnBrk="1" latinLnBrk="0" hangingPunct="1"/>
+                      <a:r>
+                        <a:rPr lang="en-US" sz="2400" dirty="0"/>
+                        <a:t>An AI Driven Mock Interview Platform</a:t>
+                      </a:r>
                       <a:endParaRPr lang="en-IN" sz="2300" kern="1200" dirty="0">
                         <a:solidFill>
                           <a:schemeClr val="dk1"/>
@@ -13655,7 +13745,11 @@
                     <a:lstStyle/>
                     <a:p>
                       <a:pPr marL="0" algn="ctr" defTabSz="914400" rtl="0" eaLnBrk="1" latinLnBrk="0" hangingPunct="1"/>
-                      <a:endParaRPr lang="en-IN" sz="2300" kern="1200">
+                      <a:r>
+                        <a:rPr lang="en-IN" sz="2400" dirty="0"/>
+                        <a:t>2024</a:t>
+                      </a:r>
+                      <a:endParaRPr lang="en-IN" sz="2300" kern="1200" dirty="0">
                         <a:solidFill>
                           <a:schemeClr val="dk1"/>
                         </a:solidFill>
@@ -13673,6 +13767,13 @@
                     <a:lstStyle/>
                     <a:p>
                       <a:pPr marL="0" algn="just" defTabSz="914400" rtl="0" eaLnBrk="1" latinLnBrk="0" hangingPunct="1"/>
+                      <a:r>
+                        <a:rPr lang="en-US" sz="2400" dirty="0"/>
+                        <a:t>Provides real-time analysis of body language, tone, and communication via AI.</a:t>
+                      </a:r>
+                      <a:br>
+                        <a:rPr lang="en-US" sz="2400" dirty="0"/>
+                      </a:br>
                       <a:endParaRPr lang="en-US" sz="2300" kern="1200" dirty="0">
                         <a:solidFill>
                           <a:schemeClr val="dk1"/>
@@ -13691,7 +13792,7 @@
                   </a:ext>
                 </a:extLst>
               </a:tr>
-              <a:tr h="473262">
+              <a:tr h="996680">
                 <a:tc>
                   <a:txBody>
                     <a:bodyPr/>
@@ -13719,6 +13820,10 @@
                     <a:lstStyle/>
                     <a:p>
                       <a:pPr marL="0" algn="just" defTabSz="914400" rtl="0" eaLnBrk="1" latinLnBrk="0" hangingPunct="1"/>
+                      <a:r>
+                        <a:rPr lang="en-IN" sz="2400" dirty="0"/>
+                        <a:t>AI-Driven Technical Interview Simulator</a:t>
+                      </a:r>
                       <a:endParaRPr lang="en-US" sz="2300" kern="1200" dirty="0">
                         <a:solidFill>
                           <a:schemeClr val="dk1"/>
@@ -13737,6 +13842,10 @@
                     <a:lstStyle/>
                     <a:p>
                       <a:pPr marL="0" algn="ctr" defTabSz="914400" rtl="0" eaLnBrk="1" latinLnBrk="0" hangingPunct="1"/>
+                      <a:r>
+                        <a:rPr lang="en-IN" sz="2400" dirty="0"/>
+                        <a:t>2023</a:t>
+                      </a:r>
                       <a:endParaRPr lang="en-IN" sz="2300" kern="1200" dirty="0">
                         <a:solidFill>
                           <a:schemeClr val="dk1"/>
@@ -13755,6 +13864,21 @@
                     <a:lstStyle/>
                     <a:p>
                       <a:pPr marL="0" algn="just" defTabSz="914400" rtl="0" eaLnBrk="1" latinLnBrk="0" hangingPunct="1"/>
+                      <a:r>
+                        <a:rPr lang="en-US" sz="2400" dirty="0"/>
+                        <a:t>This updated version evaluates </a:t>
+                      </a:r>
+                      <a:r>
+                        <a:rPr lang="en-US" sz="2400" dirty="0" err="1"/>
+                        <a:t>verbalresponses</a:t>
+                      </a:r>
+                      <a:r>
+                        <a:rPr lang="en-US" sz="2400" dirty="0"/>
+                        <a:t>.</a:t>
+                      </a:r>
+                      <a:br>
+                        <a:rPr lang="en-US" sz="2400" dirty="0"/>
+                      </a:br>
                       <a:endParaRPr lang="en-US" sz="2300" kern="1200" dirty="0">
                         <a:solidFill>
                           <a:schemeClr val="dk1"/>
@@ -13773,7 +13897,7 @@
                   </a:ext>
                 </a:extLst>
               </a:tr>
-              <a:tr h="384525">
+              <a:tr h="1324621">
                 <a:tc>
                   <a:txBody>
                     <a:bodyPr/>
@@ -13801,6 +13925,10 @@
                     <a:lstStyle/>
                     <a:p>
                       <a:pPr marL="0" algn="just" defTabSz="914400" rtl="0" eaLnBrk="1" latinLnBrk="0" hangingPunct="1"/>
+                      <a:r>
+                        <a:rPr lang="en-IN" sz="2400" dirty="0"/>
+                        <a:t>AI Mock Interview</a:t>
+                      </a:r>
                       <a:endParaRPr lang="en-US" sz="2300" kern="1200" dirty="0">
                         <a:solidFill>
                           <a:schemeClr val="dk1"/>
@@ -13819,6 +13947,10 @@
                     <a:lstStyle/>
                     <a:p>
                       <a:pPr marL="0" algn="ctr" defTabSz="914400" rtl="0" eaLnBrk="1" latinLnBrk="0" hangingPunct="1"/>
+                      <a:r>
+                        <a:rPr lang="en-IN" sz="2400" dirty="0"/>
+                        <a:t>2023</a:t>
+                      </a:r>
                       <a:endParaRPr lang="en-IN" sz="2300" kern="1200" dirty="0">
                         <a:solidFill>
                           <a:schemeClr val="dk1"/>
@@ -13837,6 +13969,13 @@
                     <a:lstStyle/>
                     <a:p>
                       <a:pPr marL="0" algn="just" defTabSz="914400" rtl="0" eaLnBrk="1" latinLnBrk="0" hangingPunct="1"/>
+                      <a:r>
+                        <a:rPr lang="en-US" sz="2400" dirty="0"/>
+                        <a:t>Simulates realistic interviews using LLMs and speech analysis for instant feedback.</a:t>
+                      </a:r>
+                      <a:br>
+                        <a:rPr lang="en-US" sz="2400" dirty="0"/>
+                      </a:br>
                       <a:endParaRPr lang="en-US" sz="2300" kern="1200" dirty="0">
                         <a:solidFill>
                           <a:schemeClr val="dk1"/>
